--- a/Prac1/Presentation.pptx
+++ b/Prac1/Presentation.pptx
@@ -111,6 +111,11 @@
       </a:defRPr>
     </a:lvl9pPr>
   </p:defaultTextStyle>
+  <p:extLst>
+    <p:ext uri="{EFAFB233-063F-42B5-8137-9DF3F51BA10A}">
+      <p15:sldGuideLst xmlns:p15="http://schemas.microsoft.com/office/powerpoint/2012/main"/>
+    </p:ext>
+  </p:extLst>
 </p:presentation>
 </file>
 
@@ -245,7 +250,7 @@
           <a:p>
             <a:fld id="{4B9BBB81-C926-4CC6-AA45-76D4265C9F79}" type="datetimeFigureOut">
               <a:rPr lang="en-GB" smtClean="0"/>
-              <a:t>20/04/2017</a:t>
+              <a:t>21/04/2017</a:t>
             </a:fld>
             <a:endParaRPr lang="en-GB"/>
           </a:p>
@@ -415,7 +420,7 @@
           <a:p>
             <a:fld id="{4B9BBB81-C926-4CC6-AA45-76D4265C9F79}" type="datetimeFigureOut">
               <a:rPr lang="en-GB" smtClean="0"/>
-              <a:t>20/04/2017</a:t>
+              <a:t>21/04/2017</a:t>
             </a:fld>
             <a:endParaRPr lang="en-GB"/>
           </a:p>
@@ -595,7 +600,7 @@
           <a:p>
             <a:fld id="{4B9BBB81-C926-4CC6-AA45-76D4265C9F79}" type="datetimeFigureOut">
               <a:rPr lang="en-GB" smtClean="0"/>
-              <a:t>20/04/2017</a:t>
+              <a:t>21/04/2017</a:t>
             </a:fld>
             <a:endParaRPr lang="en-GB"/>
           </a:p>
@@ -765,7 +770,7 @@
           <a:p>
             <a:fld id="{4B9BBB81-C926-4CC6-AA45-76D4265C9F79}" type="datetimeFigureOut">
               <a:rPr lang="en-GB" smtClean="0"/>
-              <a:t>20/04/2017</a:t>
+              <a:t>21/04/2017</a:t>
             </a:fld>
             <a:endParaRPr lang="en-GB"/>
           </a:p>
@@ -1011,7 +1016,7 @@
           <a:p>
             <a:fld id="{4B9BBB81-C926-4CC6-AA45-76D4265C9F79}" type="datetimeFigureOut">
               <a:rPr lang="en-GB" smtClean="0"/>
-              <a:t>20/04/2017</a:t>
+              <a:t>21/04/2017</a:t>
             </a:fld>
             <a:endParaRPr lang="en-GB"/>
           </a:p>
@@ -1243,7 +1248,7 @@
           <a:p>
             <a:fld id="{4B9BBB81-C926-4CC6-AA45-76D4265C9F79}" type="datetimeFigureOut">
               <a:rPr lang="en-GB" smtClean="0"/>
-              <a:t>20/04/2017</a:t>
+              <a:t>21/04/2017</a:t>
             </a:fld>
             <a:endParaRPr lang="en-GB"/>
           </a:p>
@@ -1610,7 +1615,7 @@
           <a:p>
             <a:fld id="{4B9BBB81-C926-4CC6-AA45-76D4265C9F79}" type="datetimeFigureOut">
               <a:rPr lang="en-GB" smtClean="0"/>
-              <a:t>20/04/2017</a:t>
+              <a:t>21/04/2017</a:t>
             </a:fld>
             <a:endParaRPr lang="en-GB"/>
           </a:p>
@@ -1728,7 +1733,7 @@
           <a:p>
             <a:fld id="{4B9BBB81-C926-4CC6-AA45-76D4265C9F79}" type="datetimeFigureOut">
               <a:rPr lang="en-GB" smtClean="0"/>
-              <a:t>20/04/2017</a:t>
+              <a:t>21/04/2017</a:t>
             </a:fld>
             <a:endParaRPr lang="en-GB"/>
           </a:p>
@@ -1823,7 +1828,7 @@
           <a:p>
             <a:fld id="{4B9BBB81-C926-4CC6-AA45-76D4265C9F79}" type="datetimeFigureOut">
               <a:rPr lang="en-GB" smtClean="0"/>
-              <a:t>20/04/2017</a:t>
+              <a:t>21/04/2017</a:t>
             </a:fld>
             <a:endParaRPr lang="en-GB"/>
           </a:p>
@@ -2100,7 +2105,7 @@
           <a:p>
             <a:fld id="{4B9BBB81-C926-4CC6-AA45-76D4265C9F79}" type="datetimeFigureOut">
               <a:rPr lang="en-GB" smtClean="0"/>
-              <a:t>20/04/2017</a:t>
+              <a:t>21/04/2017</a:t>
             </a:fld>
             <a:endParaRPr lang="en-GB"/>
           </a:p>
@@ -2353,7 +2358,7 @@
           <a:p>
             <a:fld id="{4B9BBB81-C926-4CC6-AA45-76D4265C9F79}" type="datetimeFigureOut">
               <a:rPr lang="en-GB" smtClean="0"/>
-              <a:t>20/04/2017</a:t>
+              <a:t>21/04/2017</a:t>
             </a:fld>
             <a:endParaRPr lang="en-GB"/>
           </a:p>
@@ -2566,7 +2571,7 @@
           <a:p>
             <a:fld id="{4B9BBB81-C926-4CC6-AA45-76D4265C9F79}" type="datetimeFigureOut">
               <a:rPr lang="en-GB" smtClean="0"/>
-              <a:t>20/04/2017</a:t>
+              <a:t>21/04/2017</a:t>
             </a:fld>
             <a:endParaRPr lang="en-GB"/>
           </a:p>
@@ -3011,9 +3016,16 @@
           <a:lstStyle/>
           <a:p>
             <a:r>
+              <a:rPr lang="en-US" dirty="0"/>
+              <a:t>Florian Fritz, Verena Röhrl, Leonhard Feiner</a:t>
+            </a:r>
+          </a:p>
+          <a:p>
+            <a:r>
               <a:rPr lang="en-US"/>
-              <a:t>Florian Fritz, Verena Röhrl, Leonhard Feiner</a:t>
-            </a:r>
+              <a:t>The A-Team</a:t>
+            </a:r>
+            <a:endParaRPr lang="en-US" dirty="0"/>
           </a:p>
         </p:txBody>
       </p:sp>
@@ -3845,8 +3857,12 @@
           <a:p>
             <a:pPr lvl="1"/>
             <a:r>
+              <a:rPr lang="en-US"/>
+              <a:t>MQTT </a:t>
+            </a:r>
+            <a:r>
               <a:rPr lang="en-US" dirty="0"/>
-              <a:t>MQTT</a:t>
+              <a:t>(no Compounds, no Metadata)</a:t>
             </a:r>
           </a:p>
           <a:p>
